--- a/Student performance Analysis PPT.pptx
+++ b/Student performance Analysis PPT.pptx
@@ -54,6 +54,11 @@
     <p:sldId id="302" r:id="rId48"/>
     <p:sldId id="303" r:id="rId49"/>
     <p:sldId id="304" r:id="rId50"/>
+    <p:sldId id="305" r:id="rId51"/>
+    <p:sldId id="306" r:id="rId52"/>
+    <p:sldId id="307" r:id="rId53"/>
+    <p:sldId id="308" r:id="rId54"/>
+    <p:sldId id="309" r:id="rId55"/>
   </p:sldIdLst>
   <p:sldSz cx="9144000" cy="6858000" type="screen4x3"/>
   <p:notesSz cx="6858000" cy="9144000"/>
@@ -954,7 +959,7 @@
           <a:p>
             <a:fld id="{B5BB2167-C26E-4D0B-A223-13409123A03E}" type="datetimeFigureOut">
               <a:rPr lang="en-IN" smtClean="0"/>
-              <a:t>21-04-2025</a:t>
+              <a:t>22-04-2025</a:t>
             </a:fld>
             <a:endParaRPr lang="en-IN"/>
           </a:p>
@@ -1205,7 +1210,7 @@
           <a:p>
             <a:fld id="{B5BB2167-C26E-4D0B-A223-13409123A03E}" type="datetimeFigureOut">
               <a:rPr lang="en-IN" smtClean="0"/>
-              <a:t>21-04-2025</a:t>
+              <a:t>22-04-2025</a:t>
             </a:fld>
             <a:endParaRPr lang="en-IN"/>
           </a:p>
@@ -1519,7 +1524,7 @@
           <a:p>
             <a:fld id="{B5BB2167-C26E-4D0B-A223-13409123A03E}" type="datetimeFigureOut">
               <a:rPr lang="en-IN" smtClean="0"/>
-              <a:t>21-04-2025</a:t>
+              <a:t>22-04-2025</a:t>
             </a:fld>
             <a:endParaRPr lang="en-IN"/>
           </a:p>
@@ -1852,7 +1857,7 @@
           <a:p>
             <a:fld id="{B5BB2167-C26E-4D0B-A223-13409123A03E}" type="datetimeFigureOut">
               <a:rPr lang="en-IN" smtClean="0"/>
-              <a:t>21-04-2025</a:t>
+              <a:t>22-04-2025</a:t>
             </a:fld>
             <a:endParaRPr lang="en-IN"/>
           </a:p>
@@ -2166,7 +2171,7 @@
           <a:p>
             <a:fld id="{B5BB2167-C26E-4D0B-A223-13409123A03E}" type="datetimeFigureOut">
               <a:rPr lang="en-IN" smtClean="0"/>
-              <a:t>21-04-2025</a:t>
+              <a:t>22-04-2025</a:t>
             </a:fld>
             <a:endParaRPr lang="en-IN"/>
           </a:p>
@@ -2559,7 +2564,7 @@
           <a:p>
             <a:fld id="{B5BB2167-C26E-4D0B-A223-13409123A03E}" type="datetimeFigureOut">
               <a:rPr lang="en-IN" smtClean="0"/>
-              <a:t>21-04-2025</a:t>
+              <a:t>22-04-2025</a:t>
             </a:fld>
             <a:endParaRPr lang="en-IN"/>
           </a:p>
@@ -2729,7 +2734,7 @@
           <a:p>
             <a:fld id="{B5BB2167-C26E-4D0B-A223-13409123A03E}" type="datetimeFigureOut">
               <a:rPr lang="en-IN" smtClean="0"/>
-              <a:t>21-04-2025</a:t>
+              <a:t>22-04-2025</a:t>
             </a:fld>
             <a:endParaRPr lang="en-IN"/>
           </a:p>
@@ -2909,7 +2914,7 @@
           <a:p>
             <a:fld id="{B5BB2167-C26E-4D0B-A223-13409123A03E}" type="datetimeFigureOut">
               <a:rPr lang="en-IN" smtClean="0"/>
-              <a:t>21-04-2025</a:t>
+              <a:t>22-04-2025</a:t>
             </a:fld>
             <a:endParaRPr lang="en-IN"/>
           </a:p>
@@ -3079,7 +3084,7 @@
           <a:p>
             <a:fld id="{B5BB2167-C26E-4D0B-A223-13409123A03E}" type="datetimeFigureOut">
               <a:rPr lang="en-IN" smtClean="0"/>
-              <a:t>21-04-2025</a:t>
+              <a:t>22-04-2025</a:t>
             </a:fld>
             <a:endParaRPr lang="en-IN"/>
           </a:p>
@@ -3326,7 +3331,7 @@
           <a:p>
             <a:fld id="{B5BB2167-C26E-4D0B-A223-13409123A03E}" type="datetimeFigureOut">
               <a:rPr lang="en-IN" smtClean="0"/>
-              <a:t>21-04-2025</a:t>
+              <a:t>22-04-2025</a:t>
             </a:fld>
             <a:endParaRPr lang="en-IN"/>
           </a:p>
@@ -3623,7 +3628,7 @@
           <a:p>
             <a:fld id="{B5BB2167-C26E-4D0B-A223-13409123A03E}" type="datetimeFigureOut">
               <a:rPr lang="en-IN" smtClean="0"/>
-              <a:t>21-04-2025</a:t>
+              <a:t>22-04-2025</a:t>
             </a:fld>
             <a:endParaRPr lang="en-IN"/>
           </a:p>
@@ -4002,7 +4007,7 @@
           <a:p>
             <a:fld id="{B5BB2167-C26E-4D0B-A223-13409123A03E}" type="datetimeFigureOut">
               <a:rPr lang="en-IN" smtClean="0"/>
-              <a:t>21-04-2025</a:t>
+              <a:t>22-04-2025</a:t>
             </a:fld>
             <a:endParaRPr lang="en-IN"/>
           </a:p>
@@ -4125,7 +4130,7 @@
           <a:p>
             <a:fld id="{B5BB2167-C26E-4D0B-A223-13409123A03E}" type="datetimeFigureOut">
               <a:rPr lang="en-IN" smtClean="0"/>
-              <a:t>21-04-2025</a:t>
+              <a:t>22-04-2025</a:t>
             </a:fld>
             <a:endParaRPr lang="en-IN"/>
           </a:p>
@@ -4220,7 +4225,7 @@
           <a:p>
             <a:fld id="{B5BB2167-C26E-4D0B-A223-13409123A03E}" type="datetimeFigureOut">
               <a:rPr lang="en-IN" smtClean="0"/>
-              <a:t>21-04-2025</a:t>
+              <a:t>22-04-2025</a:t>
             </a:fld>
             <a:endParaRPr lang="en-IN"/>
           </a:p>
@@ -4475,7 +4480,7 @@
           <a:p>
             <a:fld id="{B5BB2167-C26E-4D0B-A223-13409123A03E}" type="datetimeFigureOut">
               <a:rPr lang="en-IN" smtClean="0"/>
-              <a:t>21-04-2025</a:t>
+              <a:t>22-04-2025</a:t>
             </a:fld>
             <a:endParaRPr lang="en-IN"/>
           </a:p>
@@ -4738,7 +4743,7 @@
           <a:p>
             <a:fld id="{B5BB2167-C26E-4D0B-A223-13409123A03E}" type="datetimeFigureOut">
               <a:rPr lang="en-IN" smtClean="0"/>
-              <a:t>21-04-2025</a:t>
+              <a:t>22-04-2025</a:t>
             </a:fld>
             <a:endParaRPr lang="en-IN"/>
           </a:p>
@@ -5552,7 +5557,7 @@
           <a:p>
             <a:fld id="{B5BB2167-C26E-4D0B-A223-13409123A03E}" type="datetimeFigureOut">
               <a:rPr lang="en-IN" smtClean="0"/>
-              <a:t>21-04-2025</a:t>
+              <a:t>22-04-2025</a:t>
             </a:fld>
             <a:endParaRPr lang="en-IN"/>
           </a:p>
@@ -8407,12 +8412,8 @@
               </a:lnSpc>
             </a:pPr>
             <a:r>
-              <a:rPr lang="en-IN" b="1" u="sng" dirty="0" err="1"/>
-              <a:t>Biivariate</a:t>
-            </a:r>
-            <a:r>
               <a:rPr lang="en-IN" b="1" u="sng" dirty="0"/>
-              <a:t> Analysis: -</a:t>
+              <a:t>Bivariate Analysis: -</a:t>
             </a:r>
           </a:p>
           <a:p>
@@ -9935,7 +9936,7 @@
         </p:blipFill>
         <p:spPr>
           <a:xfrm>
-            <a:off x="821135" y="2148432"/>
+            <a:off x="821135" y="1705314"/>
             <a:ext cx="5845047" cy="4709568"/>
           </a:xfrm>
           <a:prstGeom prst="rect">
@@ -12282,7 +12283,7 @@
         <p:spPr>
           <a:xfrm>
             <a:off x="273718" y="443118"/>
-            <a:ext cx="6939882" cy="4253921"/>
+            <a:ext cx="6939882" cy="4577087"/>
           </a:xfrm>
           <a:prstGeom prst="rect">
             <a:avLst/>
@@ -12385,12 +12386,18 @@
             </a:pPr>
             <a:r>
               <a:rPr lang="en-IN" sz="1400" dirty="0"/>
-              <a:t>Increase in tutor session result in increase in average </a:t>
-            </a:r>
-            <a:r>
-              <a:rPr lang="en-IN" sz="1400"/>
-              <a:t>exam scores.</a:t>
-            </a:r>
+              <a:t>Increase in tutor session result in increase in average exam scores.</a:t>
+            </a:r>
+          </a:p>
+          <a:p>
+            <a:pPr marL="285750" indent="-285750">
+              <a:lnSpc>
+                <a:spcPct val="150000"/>
+              </a:lnSpc>
+              <a:buFont typeface="Arial" panose="020B0604020202020204" pitchFamily="34" charset="0"/>
+              <a:buChar char="•"/>
+            </a:pPr>
+            <a:endParaRPr lang="en-IN" sz="1400" dirty="0"/>
           </a:p>
           <a:p>
             <a:pPr marL="285750" indent="-285750">
@@ -12631,6 +12638,767 @@
     <p:extLst>
       <p:ext uri="{BB962C8B-B14F-4D97-AF65-F5344CB8AC3E}">
         <p14:creationId xmlns:p14="http://schemas.microsoft.com/office/powerpoint/2010/main" val="3178956305"/>
+      </p:ext>
+    </p:extLst>
+  </p:cSld>
+  <p:clrMapOvr>
+    <a:masterClrMapping/>
+  </p:clrMapOvr>
+</p:sld>
+</file>
+
+<file path=ppt/slides/slide50.xml><?xml version="1.0" encoding="utf-8"?>
+<p:sld xmlns:a="http://schemas.openxmlformats.org/drawingml/2006/main" xmlns:r="http://schemas.openxmlformats.org/officeDocument/2006/relationships" xmlns:p="http://schemas.openxmlformats.org/presentationml/2006/main">
+  <p:cSld>
+    <p:spTree>
+      <p:nvGrpSpPr>
+        <p:cNvPr id="1" name=""/>
+        <p:cNvGrpSpPr/>
+        <p:nvPr/>
+      </p:nvGrpSpPr>
+      <p:grpSpPr>
+        <a:xfrm>
+          <a:off x="0" y="0"/>
+          <a:ext cx="0" cy="0"/>
+          <a:chOff x="0" y="0"/>
+          <a:chExt cx="0" cy="0"/>
+        </a:xfrm>
+      </p:grpSpPr>
+      <p:sp>
+        <p:nvSpPr>
+          <p:cNvPr id="2" name="TextBox 1">
+            <a:extLst>
+              <a:ext uri="{FF2B5EF4-FFF2-40B4-BE49-F238E27FC236}">
+                <a16:creationId xmlns:a16="http://schemas.microsoft.com/office/drawing/2014/main" id="{8459BD22-1FF1-DB89-0724-C44A4AB4275C}"/>
+              </a:ext>
+            </a:extLst>
+          </p:cNvPr>
+          <p:cNvSpPr txBox="1"/>
+          <p:nvPr/>
+        </p:nvSpPr>
+        <p:spPr>
+          <a:xfrm>
+            <a:off x="273718" y="443118"/>
+            <a:ext cx="6939882" cy="1991764"/>
+          </a:xfrm>
+          <a:prstGeom prst="rect">
+            <a:avLst/>
+          </a:prstGeom>
+          <a:noFill/>
+        </p:spPr>
+        <p:txBody>
+          <a:bodyPr wrap="square">
+            <a:spAutoFit/>
+          </a:bodyPr>
+          <a:lstStyle/>
+          <a:p>
+            <a:pPr>
+              <a:lnSpc>
+                <a:spcPct val="150000"/>
+              </a:lnSpc>
+            </a:pPr>
+            <a:r>
+              <a:rPr lang="en-IN" sz="1400" b="1" dirty="0"/>
+              <a:t>5. </a:t>
+            </a:r>
+            <a:r>
+              <a:rPr lang="en-IN" sz="1400" b="1" u="sng" dirty="0"/>
+              <a:t>Effect of Hours studied on Exam Score by gender.</a:t>
+            </a:r>
+            <a:endParaRPr lang="en-IN" sz="1400" dirty="0"/>
+          </a:p>
+          <a:p>
+            <a:pPr marL="285750" indent="-285750">
+              <a:lnSpc>
+                <a:spcPct val="150000"/>
+              </a:lnSpc>
+              <a:buFont typeface="Arial" panose="020B0604020202020204" pitchFamily="34" charset="0"/>
+              <a:buChar char="•"/>
+            </a:pPr>
+            <a:r>
+              <a:rPr lang="en-IN" sz="1400" dirty="0"/>
+              <a:t>As hours increased exam score generally tends to increase for goth genders.</a:t>
+            </a:r>
+          </a:p>
+          <a:p>
+            <a:pPr marL="285750" indent="-285750">
+              <a:lnSpc>
+                <a:spcPct val="150000"/>
+              </a:lnSpc>
+              <a:buFont typeface="Arial" panose="020B0604020202020204" pitchFamily="34" charset="0"/>
+              <a:buChar char="•"/>
+            </a:pPr>
+            <a:r>
+              <a:rPr lang="en-IN" sz="1400" dirty="0"/>
+              <a:t>Both male and female follow a similar upward tend .</a:t>
+            </a:r>
+          </a:p>
+          <a:p>
+            <a:pPr marL="285750" indent="-285750">
+              <a:lnSpc>
+                <a:spcPct val="150000"/>
+              </a:lnSpc>
+              <a:buFont typeface="Arial" panose="020B0604020202020204" pitchFamily="34" charset="0"/>
+              <a:buChar char="•"/>
+            </a:pPr>
+            <a:r>
+              <a:rPr lang="en-IN" sz="1400" dirty="0"/>
+              <a:t>Few Students from both the gender have scored exceptionally high.</a:t>
+            </a:r>
+          </a:p>
+          <a:p>
+            <a:pPr marL="285750" indent="-285750">
+              <a:lnSpc>
+                <a:spcPct val="150000"/>
+              </a:lnSpc>
+              <a:buFont typeface="Arial" panose="020B0604020202020204" pitchFamily="34" charset="0"/>
+              <a:buChar char="•"/>
+            </a:pPr>
+            <a:r>
+              <a:rPr lang="en-IN" sz="1400" dirty="0"/>
+              <a:t>Most scores seems clustered around 60 -80 marks range with gradual rise in studying hours.</a:t>
+            </a:r>
+          </a:p>
+        </p:txBody>
+      </p:sp>
+      <p:pic>
+        <p:nvPicPr>
+          <p:cNvPr id="4" name="Picture 3">
+            <a:extLst>
+              <a:ext uri="{FF2B5EF4-FFF2-40B4-BE49-F238E27FC236}">
+                <a16:creationId xmlns:a16="http://schemas.microsoft.com/office/drawing/2014/main" id="{94EC7370-1906-5BC6-7AC3-1D9122EBB480}"/>
+              </a:ext>
+            </a:extLst>
+          </p:cNvPr>
+          <p:cNvPicPr>
+            <a:picLocks noChangeAspect="1"/>
+          </p:cNvPicPr>
+          <p:nvPr/>
+        </p:nvPicPr>
+        <p:blipFill>
+          <a:blip r:embed="rId2">
+            <a:extLst>
+              <a:ext uri="{28A0092B-C50C-407E-A947-70E740481C1C}">
+                <a14:useLocalDpi xmlns:a14="http://schemas.microsoft.com/office/drawing/2010/main" val="0"/>
+              </a:ext>
+            </a:extLst>
+          </a:blip>
+          <a:stretch>
+            <a:fillRect/>
+          </a:stretch>
+        </p:blipFill>
+        <p:spPr>
+          <a:xfrm>
+            <a:off x="764839" y="3429000"/>
+            <a:ext cx="4201030" cy="3269874"/>
+          </a:xfrm>
+          <a:prstGeom prst="rect">
+            <a:avLst/>
+          </a:prstGeom>
+        </p:spPr>
+      </p:pic>
+    </p:spTree>
+    <p:extLst>
+      <p:ext uri="{BB962C8B-B14F-4D97-AF65-F5344CB8AC3E}">
+        <p14:creationId xmlns:p14="http://schemas.microsoft.com/office/powerpoint/2010/main" val="3252143877"/>
+      </p:ext>
+    </p:extLst>
+  </p:cSld>
+  <p:clrMapOvr>
+    <a:masterClrMapping/>
+  </p:clrMapOvr>
+</p:sld>
+</file>
+
+<file path=ppt/slides/slide51.xml><?xml version="1.0" encoding="utf-8"?>
+<p:sld xmlns:a="http://schemas.openxmlformats.org/drawingml/2006/main" xmlns:r="http://schemas.openxmlformats.org/officeDocument/2006/relationships" xmlns:p="http://schemas.openxmlformats.org/presentationml/2006/main">
+  <p:cSld>
+    <p:spTree>
+      <p:nvGrpSpPr>
+        <p:cNvPr id="1" name=""/>
+        <p:cNvGrpSpPr/>
+        <p:nvPr/>
+      </p:nvGrpSpPr>
+      <p:grpSpPr>
+        <a:xfrm>
+          <a:off x="0" y="0"/>
+          <a:ext cx="0" cy="0"/>
+          <a:chOff x="0" y="0"/>
+          <a:chExt cx="0" cy="0"/>
+        </a:xfrm>
+      </p:grpSpPr>
+      <p:sp>
+        <p:nvSpPr>
+          <p:cNvPr id="4" name="TextBox 3">
+            <a:extLst>
+              <a:ext uri="{FF2B5EF4-FFF2-40B4-BE49-F238E27FC236}">
+                <a16:creationId xmlns:a16="http://schemas.microsoft.com/office/drawing/2014/main" id="{22FECFC4-B9F6-9BBF-A050-7C3C608C3C63}"/>
+              </a:ext>
+            </a:extLst>
+          </p:cNvPr>
+          <p:cNvSpPr txBox="1"/>
+          <p:nvPr/>
+        </p:nvSpPr>
+        <p:spPr>
+          <a:xfrm>
+            <a:off x="273718" y="443118"/>
+            <a:ext cx="6939882" cy="3284425"/>
+          </a:xfrm>
+          <a:prstGeom prst="rect">
+            <a:avLst/>
+          </a:prstGeom>
+          <a:noFill/>
+        </p:spPr>
+        <p:txBody>
+          <a:bodyPr wrap="square">
+            <a:spAutoFit/>
+          </a:bodyPr>
+          <a:lstStyle/>
+          <a:p>
+            <a:pPr>
+              <a:lnSpc>
+                <a:spcPct val="150000"/>
+              </a:lnSpc>
+            </a:pPr>
+            <a:r>
+              <a:rPr lang="en-IN" sz="1400" b="1" dirty="0"/>
+              <a:t>6. </a:t>
+            </a:r>
+            <a:r>
+              <a:rPr lang="en-IN" sz="1400" b="1" u="sng" dirty="0"/>
+              <a:t>Exam scores by sleep, Physical </a:t>
+            </a:r>
+            <a:r>
+              <a:rPr lang="en-IN" sz="1400" b="1" u="sng" dirty="0" err="1"/>
+              <a:t>Activitiy</a:t>
+            </a:r>
+            <a:r>
+              <a:rPr lang="en-IN" sz="1400" b="1" u="sng" dirty="0"/>
+              <a:t> &amp; Disabilities.</a:t>
+            </a:r>
+            <a:endParaRPr lang="en-IN" sz="1400" dirty="0"/>
+          </a:p>
+          <a:p>
+            <a:pPr marL="285750" indent="-285750">
+              <a:lnSpc>
+                <a:spcPct val="150000"/>
+              </a:lnSpc>
+              <a:buFont typeface="Arial" panose="020B0604020202020204" pitchFamily="34" charset="0"/>
+              <a:buChar char="•"/>
+            </a:pPr>
+            <a:r>
+              <a:rPr lang="en-IN" sz="1400" dirty="0"/>
+              <a:t>Most Exam scores fall within 60-80 across all sleep Hours, Physical Activity levels and Learning Disabilities categories.</a:t>
+            </a:r>
+          </a:p>
+          <a:p>
+            <a:pPr marL="285750" indent="-285750">
+              <a:lnSpc>
+                <a:spcPct val="150000"/>
+              </a:lnSpc>
+              <a:buFont typeface="Arial" panose="020B0604020202020204" pitchFamily="34" charset="0"/>
+              <a:buChar char="•"/>
+            </a:pPr>
+            <a:r>
+              <a:rPr lang="en-IN" sz="1400" dirty="0"/>
+              <a:t>Student without learning disabilities consistently score slightly higher than those with Learning Disabilities.</a:t>
+            </a:r>
+          </a:p>
+          <a:p>
+            <a:pPr marL="285750" indent="-285750">
+              <a:lnSpc>
+                <a:spcPct val="150000"/>
+              </a:lnSpc>
+              <a:buFont typeface="Arial" panose="020B0604020202020204" pitchFamily="34" charset="0"/>
+              <a:buChar char="•"/>
+            </a:pPr>
+            <a:r>
+              <a:rPr lang="en-IN" sz="1400" dirty="0"/>
+              <a:t>Higher </a:t>
+            </a:r>
+            <a:r>
+              <a:rPr lang="en-IN" sz="1400" dirty="0" err="1"/>
+              <a:t>sleephours</a:t>
+            </a:r>
+            <a:r>
+              <a:rPr lang="en-IN" sz="1400" dirty="0"/>
+              <a:t> tends to associate with higher average exam scores.</a:t>
+            </a:r>
+          </a:p>
+          <a:p>
+            <a:pPr marL="285750" indent="-285750">
+              <a:lnSpc>
+                <a:spcPct val="150000"/>
+              </a:lnSpc>
+              <a:buFont typeface="Arial" panose="020B0604020202020204" pitchFamily="34" charset="0"/>
+              <a:buChar char="•"/>
+            </a:pPr>
+            <a:r>
+              <a:rPr lang="en-IN" sz="1400" dirty="0"/>
+              <a:t>Positive Lift in performance at 9 and 10 hrs compared to lower sleep durations.</a:t>
+            </a:r>
+          </a:p>
+          <a:p>
+            <a:pPr marL="285750" indent="-285750">
+              <a:lnSpc>
+                <a:spcPct val="150000"/>
+              </a:lnSpc>
+              <a:buFont typeface="Arial" panose="020B0604020202020204" pitchFamily="34" charset="0"/>
+              <a:buChar char="•"/>
+            </a:pPr>
+            <a:r>
+              <a:rPr lang="en-IN" sz="1400" dirty="0"/>
+              <a:t>Physical </a:t>
+            </a:r>
+            <a:r>
+              <a:rPr lang="en-IN" sz="1400" dirty="0" err="1"/>
+              <a:t>Activvity</a:t>
+            </a:r>
+            <a:r>
+              <a:rPr lang="en-IN" sz="1400" dirty="0"/>
+              <a:t> don’t show any consistent effect on the exam scores.</a:t>
+            </a:r>
+          </a:p>
+          <a:p>
+            <a:pPr marL="285750" indent="-285750">
+              <a:lnSpc>
+                <a:spcPct val="150000"/>
+              </a:lnSpc>
+              <a:buFont typeface="Arial" panose="020B0604020202020204" pitchFamily="34" charset="0"/>
+              <a:buChar char="•"/>
+            </a:pPr>
+            <a:r>
+              <a:rPr lang="en-IN" sz="1400" dirty="0"/>
+              <a:t>9-10 hrs of sleep and moderate physical activities(around 3-4) seems to associate with the highest scores.</a:t>
+            </a:r>
+          </a:p>
+        </p:txBody>
+      </p:sp>
+    </p:spTree>
+    <p:extLst>
+      <p:ext uri="{BB962C8B-B14F-4D97-AF65-F5344CB8AC3E}">
+        <p14:creationId xmlns:p14="http://schemas.microsoft.com/office/powerpoint/2010/main" val="1133062113"/>
+      </p:ext>
+    </p:extLst>
+  </p:cSld>
+  <p:clrMapOvr>
+    <a:masterClrMapping/>
+  </p:clrMapOvr>
+</p:sld>
+</file>
+
+<file path=ppt/slides/slide52.xml><?xml version="1.0" encoding="utf-8"?>
+<p:sld xmlns:a="http://schemas.openxmlformats.org/drawingml/2006/main" xmlns:r="http://schemas.openxmlformats.org/officeDocument/2006/relationships" xmlns:p="http://schemas.openxmlformats.org/presentationml/2006/main">
+  <p:cSld>
+    <p:spTree>
+      <p:nvGrpSpPr>
+        <p:cNvPr id="1" name=""/>
+        <p:cNvGrpSpPr/>
+        <p:nvPr/>
+      </p:nvGrpSpPr>
+      <p:grpSpPr>
+        <a:xfrm>
+          <a:off x="0" y="0"/>
+          <a:ext cx="0" cy="0"/>
+          <a:chOff x="0" y="0"/>
+          <a:chExt cx="0" cy="0"/>
+        </a:xfrm>
+      </p:grpSpPr>
+      <p:pic>
+        <p:nvPicPr>
+          <p:cNvPr id="5" name="Picture 4">
+            <a:extLst>
+              <a:ext uri="{FF2B5EF4-FFF2-40B4-BE49-F238E27FC236}">
+                <a16:creationId xmlns:a16="http://schemas.microsoft.com/office/drawing/2014/main" id="{41F511A3-0444-464E-04D9-60CAE0817D47}"/>
+              </a:ext>
+            </a:extLst>
+          </p:cNvPr>
+          <p:cNvPicPr>
+            <a:picLocks noChangeAspect="1"/>
+          </p:cNvPicPr>
+          <p:nvPr/>
+        </p:nvPicPr>
+        <p:blipFill>
+          <a:blip r:embed="rId2">
+            <a:extLst>
+              <a:ext uri="{28A0092B-C50C-407E-A947-70E740481C1C}">
+                <a14:useLocalDpi xmlns:a14="http://schemas.microsoft.com/office/drawing/2010/main" val="0"/>
+              </a:ext>
+            </a:extLst>
+          </a:blip>
+          <a:stretch>
+            <a:fillRect/>
+          </a:stretch>
+        </p:blipFill>
+        <p:spPr>
+          <a:xfrm>
+            <a:off x="472549" y="1641823"/>
+            <a:ext cx="8198902" cy="3574354"/>
+          </a:xfrm>
+          <a:prstGeom prst="rect">
+            <a:avLst/>
+          </a:prstGeom>
+        </p:spPr>
+      </p:pic>
+    </p:spTree>
+    <p:extLst>
+      <p:ext uri="{BB962C8B-B14F-4D97-AF65-F5344CB8AC3E}">
+        <p14:creationId xmlns:p14="http://schemas.microsoft.com/office/powerpoint/2010/main" val="1450427015"/>
+      </p:ext>
+    </p:extLst>
+  </p:cSld>
+  <p:clrMapOvr>
+    <a:masterClrMapping/>
+  </p:clrMapOvr>
+</p:sld>
+</file>
+
+<file path=ppt/slides/slide53.xml><?xml version="1.0" encoding="utf-8"?>
+<p:sld xmlns:a="http://schemas.openxmlformats.org/drawingml/2006/main" xmlns:r="http://schemas.openxmlformats.org/officeDocument/2006/relationships" xmlns:p="http://schemas.openxmlformats.org/presentationml/2006/main">
+  <p:cSld>
+    <p:spTree>
+      <p:nvGrpSpPr>
+        <p:cNvPr id="1" name=""/>
+        <p:cNvGrpSpPr/>
+        <p:nvPr/>
+      </p:nvGrpSpPr>
+      <p:grpSpPr>
+        <a:xfrm>
+          <a:off x="0" y="0"/>
+          <a:ext cx="0" cy="0"/>
+          <a:chOff x="0" y="0"/>
+          <a:chExt cx="0" cy="0"/>
+        </a:xfrm>
+      </p:grpSpPr>
+      <p:pic>
+        <p:nvPicPr>
+          <p:cNvPr id="3" name="Picture 2">
+            <a:extLst>
+              <a:ext uri="{FF2B5EF4-FFF2-40B4-BE49-F238E27FC236}">
+                <a16:creationId xmlns:a16="http://schemas.microsoft.com/office/drawing/2014/main" id="{EBD854E3-FD28-8E71-7B09-0ABCAACE31EB}"/>
+              </a:ext>
+            </a:extLst>
+          </p:cNvPr>
+          <p:cNvPicPr>
+            <a:picLocks noChangeAspect="1"/>
+          </p:cNvPicPr>
+          <p:nvPr/>
+        </p:nvPicPr>
+        <p:blipFill>
+          <a:blip r:embed="rId2">
+            <a:extLst>
+              <a:ext uri="{28A0092B-C50C-407E-A947-70E740481C1C}">
+                <a14:useLocalDpi xmlns:a14="http://schemas.microsoft.com/office/drawing/2010/main" val="0"/>
+              </a:ext>
+            </a:extLst>
+          </a:blip>
+          <a:stretch>
+            <a:fillRect/>
+          </a:stretch>
+        </p:blipFill>
+        <p:spPr>
+          <a:xfrm>
+            <a:off x="1239252" y="3292755"/>
+            <a:ext cx="4259180" cy="3328512"/>
+          </a:xfrm>
+          <a:prstGeom prst="rect">
+            <a:avLst/>
+          </a:prstGeom>
+        </p:spPr>
+      </p:pic>
+      <p:sp>
+        <p:nvSpPr>
+          <p:cNvPr id="4" name="TextBox 3">
+            <a:extLst>
+              <a:ext uri="{FF2B5EF4-FFF2-40B4-BE49-F238E27FC236}">
+                <a16:creationId xmlns:a16="http://schemas.microsoft.com/office/drawing/2014/main" id="{5FD0644F-E3D1-9DB6-DA09-C5C13F198B8B}"/>
+              </a:ext>
+            </a:extLst>
+          </p:cNvPr>
+          <p:cNvSpPr txBox="1"/>
+          <p:nvPr/>
+        </p:nvSpPr>
+        <p:spPr>
+          <a:xfrm>
+            <a:off x="273718" y="443118"/>
+            <a:ext cx="6939882" cy="2961260"/>
+          </a:xfrm>
+          <a:prstGeom prst="rect">
+            <a:avLst/>
+          </a:prstGeom>
+          <a:noFill/>
+        </p:spPr>
+        <p:txBody>
+          <a:bodyPr wrap="square">
+            <a:spAutoFit/>
+          </a:bodyPr>
+          <a:lstStyle/>
+          <a:p>
+            <a:pPr>
+              <a:lnSpc>
+                <a:spcPct val="150000"/>
+              </a:lnSpc>
+            </a:pPr>
+            <a:r>
+              <a:rPr lang="en-IN" sz="1400" b="1" dirty="0"/>
+              <a:t>7. </a:t>
+            </a:r>
+            <a:r>
+              <a:rPr lang="en-IN" sz="1400" b="1" u="sng" dirty="0"/>
+              <a:t>Previous scores &amp; </a:t>
+            </a:r>
+            <a:r>
+              <a:rPr lang="en-IN" sz="1400" b="1" u="sng" dirty="0" err="1"/>
+              <a:t>Attendence</a:t>
+            </a:r>
+            <a:r>
+              <a:rPr lang="en-IN" sz="1400" b="1" u="sng" dirty="0"/>
+              <a:t> Vs Exam Score.</a:t>
+            </a:r>
+            <a:endParaRPr lang="en-IN" sz="1400" dirty="0"/>
+          </a:p>
+          <a:p>
+            <a:pPr marL="285750" indent="-285750">
+              <a:lnSpc>
+                <a:spcPct val="150000"/>
+              </a:lnSpc>
+              <a:buFont typeface="Arial" panose="020B0604020202020204" pitchFamily="34" charset="0"/>
+              <a:buChar char="•"/>
+            </a:pPr>
+            <a:r>
+              <a:rPr lang="en-IN" sz="1400" dirty="0"/>
+              <a:t>Previous Scores and Exam Scores shows a moderate positive correlation – higher previous scores tends to associate with higher exam scores.</a:t>
+            </a:r>
+          </a:p>
+          <a:p>
+            <a:pPr marL="285750" indent="-285750">
+              <a:lnSpc>
+                <a:spcPct val="150000"/>
+              </a:lnSpc>
+              <a:buFont typeface="Arial" panose="020B0604020202020204" pitchFamily="34" charset="0"/>
+              <a:buChar char="•"/>
+            </a:pPr>
+            <a:r>
+              <a:rPr lang="en-IN" sz="1400" dirty="0"/>
+              <a:t>Darker dots (higher attendance) are mostly found in the higher score regions for both Previous Scores and Exam Scores.</a:t>
+            </a:r>
+          </a:p>
+          <a:p>
+            <a:pPr marL="285750" indent="-285750">
+              <a:lnSpc>
+                <a:spcPct val="150000"/>
+              </a:lnSpc>
+              <a:buFont typeface="Arial" panose="020B0604020202020204" pitchFamily="34" charset="0"/>
+              <a:buChar char="•"/>
+            </a:pPr>
+            <a:r>
+              <a:rPr lang="en-IN" sz="1400" dirty="0"/>
+              <a:t>Majority of students, regardless of attendance, score between 60-80</a:t>
+            </a:r>
+          </a:p>
+          <a:p>
+            <a:pPr marL="285750" indent="-285750">
+              <a:lnSpc>
+                <a:spcPct val="150000"/>
+              </a:lnSpc>
+              <a:buFont typeface="Arial" panose="020B0604020202020204" pitchFamily="34" charset="0"/>
+              <a:buChar char="•"/>
+            </a:pPr>
+            <a:r>
+              <a:rPr lang="en-IN" sz="1400" dirty="0"/>
+              <a:t>Students with attendance 88-96(dark purple dots) shows a visible tendency to cluster at the upper exam score range, even if their previous scores wasn’t the highest.</a:t>
+            </a:r>
+          </a:p>
+        </p:txBody>
+      </p:sp>
+    </p:spTree>
+    <p:extLst>
+      <p:ext uri="{BB962C8B-B14F-4D97-AF65-F5344CB8AC3E}">
+        <p14:creationId xmlns:p14="http://schemas.microsoft.com/office/powerpoint/2010/main" val="3475398038"/>
+      </p:ext>
+    </p:extLst>
+  </p:cSld>
+  <p:clrMapOvr>
+    <a:masterClrMapping/>
+  </p:clrMapOvr>
+</p:sld>
+</file>
+
+<file path=ppt/slides/slide54.xml><?xml version="1.0" encoding="utf-8"?>
+<p:sld xmlns:a="http://schemas.openxmlformats.org/drawingml/2006/main" xmlns:r="http://schemas.openxmlformats.org/officeDocument/2006/relationships" xmlns:p="http://schemas.openxmlformats.org/presentationml/2006/main">
+  <p:cSld>
+    <p:spTree>
+      <p:nvGrpSpPr>
+        <p:cNvPr id="1" name=""/>
+        <p:cNvGrpSpPr/>
+        <p:nvPr/>
+      </p:nvGrpSpPr>
+      <p:grpSpPr>
+        <a:xfrm>
+          <a:off x="0" y="0"/>
+          <a:ext cx="0" cy="0"/>
+          <a:chOff x="0" y="0"/>
+          <a:chExt cx="0" cy="0"/>
+        </a:xfrm>
+      </p:grpSpPr>
+      <p:sp>
+        <p:nvSpPr>
+          <p:cNvPr id="3" name="TextBox 2">
+            <a:extLst>
+              <a:ext uri="{FF2B5EF4-FFF2-40B4-BE49-F238E27FC236}">
+                <a16:creationId xmlns:a16="http://schemas.microsoft.com/office/drawing/2014/main" id="{81D24A8C-C268-1000-CCC3-C2528377E9B1}"/>
+              </a:ext>
+            </a:extLst>
+          </p:cNvPr>
+          <p:cNvSpPr txBox="1"/>
+          <p:nvPr/>
+        </p:nvSpPr>
+        <p:spPr>
+          <a:xfrm>
+            <a:off x="273718" y="443118"/>
+            <a:ext cx="6939882" cy="1991764"/>
+          </a:xfrm>
+          <a:prstGeom prst="rect">
+            <a:avLst/>
+          </a:prstGeom>
+          <a:noFill/>
+        </p:spPr>
+        <p:txBody>
+          <a:bodyPr wrap="square">
+            <a:spAutoFit/>
+          </a:bodyPr>
+          <a:lstStyle/>
+          <a:p>
+            <a:pPr>
+              <a:lnSpc>
+                <a:spcPct val="150000"/>
+              </a:lnSpc>
+            </a:pPr>
+            <a:r>
+              <a:rPr lang="en-IN" sz="1400" b="1" dirty="0"/>
+              <a:t>7. </a:t>
+            </a:r>
+            <a:r>
+              <a:rPr lang="en-IN" sz="1400" b="1" u="sng" dirty="0"/>
+              <a:t>Previous scores &amp; </a:t>
+            </a:r>
+            <a:r>
+              <a:rPr lang="en-IN" sz="1400" b="1" u="sng" dirty="0" err="1"/>
+              <a:t>Attendence</a:t>
+            </a:r>
+            <a:r>
+              <a:rPr lang="en-IN" sz="1400" b="1" u="sng" dirty="0"/>
+              <a:t> Vs Exam Score.</a:t>
+            </a:r>
+            <a:endParaRPr lang="en-IN" sz="1400" dirty="0"/>
+          </a:p>
+          <a:p>
+            <a:pPr marL="285750" indent="-285750">
+              <a:lnSpc>
+                <a:spcPct val="150000"/>
+              </a:lnSpc>
+              <a:buFont typeface="Arial" panose="020B0604020202020204" pitchFamily="34" charset="0"/>
+              <a:buChar char="•"/>
+            </a:pPr>
+            <a:r>
+              <a:rPr lang="en-IN" sz="1400" dirty="0"/>
+              <a:t>Attendance (0.58) -&gt; Strong positive corelation </a:t>
+            </a:r>
+          </a:p>
+          <a:p>
+            <a:pPr marL="285750" indent="-285750">
+              <a:lnSpc>
+                <a:spcPct val="150000"/>
+              </a:lnSpc>
+              <a:buFont typeface="Arial" panose="020B0604020202020204" pitchFamily="34" charset="0"/>
+              <a:buChar char="•"/>
+            </a:pPr>
+            <a:r>
+              <a:rPr lang="en-IN" sz="1400" dirty="0"/>
+              <a:t>Hours Studied (0.45) -&gt; second highest positive corelation.</a:t>
+            </a:r>
+          </a:p>
+          <a:p>
+            <a:pPr marL="285750" indent="-285750">
+              <a:lnSpc>
+                <a:spcPct val="150000"/>
+              </a:lnSpc>
+              <a:buFont typeface="Arial" panose="020B0604020202020204" pitchFamily="34" charset="0"/>
+              <a:buChar char="•"/>
+            </a:pPr>
+            <a:r>
+              <a:rPr lang="en-IN" sz="1400" dirty="0"/>
+              <a:t>Previous Score(0.18) -&gt; Weak positive corelation.</a:t>
+            </a:r>
+          </a:p>
+          <a:p>
+            <a:pPr marL="285750" indent="-285750">
+              <a:lnSpc>
+                <a:spcPct val="150000"/>
+              </a:lnSpc>
+              <a:buFont typeface="Arial" panose="020B0604020202020204" pitchFamily="34" charset="0"/>
+              <a:buChar char="•"/>
+            </a:pPr>
+            <a:r>
+              <a:rPr lang="en-IN" sz="1400" dirty="0"/>
+              <a:t>Sleep hours (-0.017) -&gt; essentially no correlation with Exam Score.</a:t>
+            </a:r>
+          </a:p>
+          <a:p>
+            <a:pPr marL="285750" indent="-285750">
+              <a:lnSpc>
+                <a:spcPct val="150000"/>
+              </a:lnSpc>
+              <a:buFont typeface="Arial" panose="020B0604020202020204" pitchFamily="34" charset="0"/>
+              <a:buChar char="•"/>
+            </a:pPr>
+            <a:r>
+              <a:rPr lang="en-IN" sz="1400" dirty="0"/>
+              <a:t>Other variable pair correlations are also weak/negligible.</a:t>
+            </a:r>
+          </a:p>
+        </p:txBody>
+      </p:sp>
+      <p:pic>
+        <p:nvPicPr>
+          <p:cNvPr id="5" name="Picture 4">
+            <a:extLst>
+              <a:ext uri="{FF2B5EF4-FFF2-40B4-BE49-F238E27FC236}">
+                <a16:creationId xmlns:a16="http://schemas.microsoft.com/office/drawing/2014/main" id="{23F2BC2B-0CFB-0E20-0F3E-59C6CADF3263}"/>
+              </a:ext>
+            </a:extLst>
+          </p:cNvPr>
+          <p:cNvPicPr>
+            <a:picLocks noChangeAspect="1"/>
+          </p:cNvPicPr>
+          <p:nvPr/>
+        </p:nvPicPr>
+        <p:blipFill>
+          <a:blip r:embed="rId2">
+            <a:extLst>
+              <a:ext uri="{28A0092B-C50C-407E-A947-70E740481C1C}">
+                <a14:useLocalDpi xmlns:a14="http://schemas.microsoft.com/office/drawing/2010/main" val="0"/>
+              </a:ext>
+            </a:extLst>
+          </a:blip>
+          <a:stretch>
+            <a:fillRect/>
+          </a:stretch>
+        </p:blipFill>
+        <p:spPr>
+          <a:xfrm>
+            <a:off x="1335503" y="2519106"/>
+            <a:ext cx="4932948" cy="4257284"/>
+          </a:xfrm>
+          <a:prstGeom prst="rect">
+            <a:avLst/>
+          </a:prstGeom>
+        </p:spPr>
+      </p:pic>
+    </p:spTree>
+    <p:extLst>
+      <p:ext uri="{BB962C8B-B14F-4D97-AF65-F5344CB8AC3E}">
+        <p14:creationId xmlns:p14="http://schemas.microsoft.com/office/powerpoint/2010/main" val="952155523"/>
       </p:ext>
     </p:extLst>
   </p:cSld>
